--- a/Doc/Notes/eBPF_prog_kernel/eBPF_prog_kernel.pptx
+++ b/Doc/Notes/eBPF_prog_kernel/eBPF_prog_kernel.pptx
@@ -6,6 +6,7 @@
   </p:sldMasterIdLst>
   <p:sldIdLst>
     <p:sldId id="256" r:id="rId2"/>
+    <p:sldId id="257" r:id="rId3"/>
   </p:sldIdLst>
   <p:sldSz cx="12192000" cy="6858000"/>
   <p:notesSz cx="6858000" cy="9144000"/>
@@ -3630,8 +3631,8 @@
         </p:nvSpPr>
         <p:spPr>
           <a:xfrm>
-            <a:off x="5776486" y="2118038"/>
-            <a:ext cx="2125430" cy="1939252"/>
+            <a:off x="5776485" y="2118038"/>
+            <a:ext cx="2125891" cy="646331"/>
           </a:xfrm>
           <a:prstGeom prst="rect">
             <a:avLst/>
@@ -3857,13 +3858,14 @@
           </p:cNvPr>
           <p:cNvCxnSpPr>
             <a:cxnSpLocks/>
+            <a:endCxn id="11" idx="1"/>
           </p:cNvCxnSpPr>
           <p:nvPr/>
         </p:nvCxnSpPr>
         <p:spPr>
           <a:xfrm>
-            <a:off x="3579371" y="2433511"/>
-            <a:ext cx="2125430" cy="808453"/>
+            <a:off x="3679231" y="2353623"/>
+            <a:ext cx="2097254" cy="87581"/>
           </a:xfrm>
           <a:prstGeom prst="straightConnector1">
             <a:avLst/>
@@ -3873,6 +3875,7 @@
               <a:schemeClr val="tx1"/>
             </a:solidFill>
             <a:prstDash val="sysDot"/>
+            <a:headEnd type="stealth" w="lg" len="lg"/>
             <a:tailEnd type="stealth" w="lg" len="lg"/>
           </a:ln>
         </p:spPr>
@@ -4027,96 +4030,42 @@
           </a:p>
         </p:txBody>
       </p:sp>
-      <p:sp>
-        <p:nvSpPr>
-          <p:cNvPr id="31" name="文本框 30">
-            <a:extLst>
-              <a:ext uri="{FF2B5EF4-FFF2-40B4-BE49-F238E27FC236}">
-                <a16:creationId xmlns:a16="http://schemas.microsoft.com/office/drawing/2014/main" id="{0FD607EC-B67E-F5E1-01A1-2548F23605CE}"/>
-              </a:ext>
-            </a:extLst>
-          </p:cNvPr>
-          <p:cNvSpPr txBox="1"/>
-          <p:nvPr/>
-        </p:nvSpPr>
-        <p:spPr>
-          <a:xfrm>
-            <a:off x="6349348" y="2146882"/>
-            <a:ext cx="1288474" cy="369332"/>
-          </a:xfrm>
-          <a:prstGeom prst="rect">
-            <a:avLst/>
-          </a:prstGeom>
-          <a:noFill/>
-        </p:spPr>
-        <p:txBody>
-          <a:bodyPr wrap="square" rtlCol="0">
-            <a:spAutoFit/>
-          </a:bodyPr>
-          <a:lstStyle/>
-          <a:p>
-            <a:r>
-              <a:rPr kumimoji="1" lang="en-US" altLang="zh-CN" dirty="0" err="1">
-                <a:latin typeface="Arial" panose="020B0604020202020204" pitchFamily="34" charset="0"/>
-                <a:cs typeface="Arial" panose="020B0604020202020204" pitchFamily="34" charset="0"/>
-              </a:rPr>
-              <a:t>refcnt</a:t>
-            </a:r>
-            <a:endParaRPr kumimoji="1" lang="zh-CN" altLang="en-US" dirty="0">
-              <a:latin typeface="Arial" panose="020B0604020202020204" pitchFamily="34" charset="0"/>
-              <a:cs typeface="Arial" panose="020B0604020202020204" pitchFamily="34" charset="0"/>
-            </a:endParaRPr>
-          </a:p>
-        </p:txBody>
-      </p:sp>
-      <p:sp>
-        <p:nvSpPr>
-          <p:cNvPr id="32" name="文本框 31">
-            <a:extLst>
-              <a:ext uri="{FF2B5EF4-FFF2-40B4-BE49-F238E27FC236}">
-                <a16:creationId xmlns:a16="http://schemas.microsoft.com/office/drawing/2014/main" id="{E0AFC771-F265-3308-9934-94D8EC292C30}"/>
-              </a:ext>
-            </a:extLst>
-          </p:cNvPr>
-          <p:cNvSpPr txBox="1"/>
-          <p:nvPr/>
-        </p:nvSpPr>
-        <p:spPr>
-          <a:xfrm>
-            <a:off x="6082451" y="2394949"/>
-            <a:ext cx="1614060" cy="369332"/>
-          </a:xfrm>
-          <a:prstGeom prst="rect">
-            <a:avLst/>
-          </a:prstGeom>
-          <a:noFill/>
-        </p:spPr>
-        <p:txBody>
-          <a:bodyPr wrap="square" rtlCol="0">
-            <a:spAutoFit/>
-          </a:bodyPr>
-          <a:lstStyle/>
-          <a:p>
-            <a:r>
-              <a:rPr kumimoji="1" lang="en-US" altLang="zh-CN" dirty="0" err="1">
-                <a:latin typeface="Arial" panose="020B0604020202020204" pitchFamily="34" charset="0"/>
-                <a:cs typeface="Arial" panose="020B0604020202020204" pitchFamily="34" charset="0"/>
-              </a:rPr>
-              <a:t>ctx_arg_info</a:t>
-            </a:r>
-            <a:endParaRPr kumimoji="1" lang="zh-CN" altLang="en-US" dirty="0">
-              <a:latin typeface="Arial" panose="020B0604020202020204" pitchFamily="34" charset="0"/>
-              <a:cs typeface="Arial" panose="020B0604020202020204" pitchFamily="34" charset="0"/>
-            </a:endParaRPr>
-          </a:p>
-        </p:txBody>
-      </p:sp>
-      <p:sp>
-        <p:nvSpPr>
-          <p:cNvPr id="33" name="矩形 32">
-            <a:extLst>
-              <a:ext uri="{FF2B5EF4-FFF2-40B4-BE49-F238E27FC236}">
-                <a16:creationId xmlns:a16="http://schemas.microsoft.com/office/drawing/2014/main" id="{A0E7E0A3-61AA-F83D-8446-4861AD3F5977}"/>
+    </p:spTree>
+    <p:extLst>
+      <p:ext uri="{BB962C8B-B14F-4D97-AF65-F5344CB8AC3E}">
+        <p14:creationId xmlns:p14="http://schemas.microsoft.com/office/powerpoint/2010/main" val="2519843314"/>
+      </p:ext>
+    </p:extLst>
+  </p:cSld>
+  <p:clrMapOvr>
+    <a:masterClrMapping/>
+  </p:clrMapOvr>
+</p:sld>
+</file>
+
+<file path=ppt/slides/slide2.xml><?xml version="1.0" encoding="utf-8"?>
+<p:sld xmlns:a="http://schemas.openxmlformats.org/drawingml/2006/main" xmlns:r="http://schemas.openxmlformats.org/officeDocument/2006/relationships" xmlns:p="http://schemas.openxmlformats.org/presentationml/2006/main">
+  <p:cSld>
+    <p:spTree>
+      <p:nvGrpSpPr>
+        <p:cNvPr id="1" name=""/>
+        <p:cNvGrpSpPr/>
+        <p:nvPr/>
+      </p:nvGrpSpPr>
+      <p:grpSpPr>
+        <a:xfrm>
+          <a:off x="0" y="0"/>
+          <a:ext cx="0" cy="0"/>
+          <a:chOff x="0" y="0"/>
+          <a:chExt cx="0" cy="0"/>
+        </a:xfrm>
+      </p:grpSpPr>
+      <p:sp>
+        <p:nvSpPr>
+          <p:cNvPr id="5" name="矩形 4">
+            <a:extLst>
+              <a:ext uri="{FF2B5EF4-FFF2-40B4-BE49-F238E27FC236}">
+                <a16:creationId xmlns:a16="http://schemas.microsoft.com/office/drawing/2014/main" id="{29F7DBD3-4496-E26D-DAEE-B30C3ABB2BB7}"/>
               </a:ext>
             </a:extLst>
           </p:cNvPr>
@@ -4125,8 +4074,8 @@
         </p:nvSpPr>
         <p:spPr>
           <a:xfrm>
-            <a:off x="8679955" y="2089226"/>
-            <a:ext cx="1485053" cy="568100"/>
+            <a:off x="1950220" y="1824906"/>
+            <a:ext cx="2510943" cy="2650112"/>
           </a:xfrm>
           <a:prstGeom prst="rect">
             <a:avLst/>
@@ -4165,10 +4114,10 @@
       </p:sp>
       <p:sp>
         <p:nvSpPr>
-          <p:cNvPr id="34" name="文本框 33">
-            <a:extLst>
-              <a:ext uri="{FF2B5EF4-FFF2-40B4-BE49-F238E27FC236}">
-                <a16:creationId xmlns:a16="http://schemas.microsoft.com/office/drawing/2014/main" id="{BAF97F79-0847-5354-C4EA-57CF65D6BDA3}"/>
+          <p:cNvPr id="6" name="文本框 5">
+            <a:extLst>
+              <a:ext uri="{FF2B5EF4-FFF2-40B4-BE49-F238E27FC236}">
+                <a16:creationId xmlns:a16="http://schemas.microsoft.com/office/drawing/2014/main" id="{2BC8853A-31EC-E015-9E6F-9EC0C18A5F39}"/>
               </a:ext>
             </a:extLst>
           </p:cNvPr>
@@ -4177,8 +4126,138 @@
         </p:nvSpPr>
         <p:spPr>
           <a:xfrm>
-            <a:off x="8508326" y="1642962"/>
-            <a:ext cx="2298219" cy="369332"/>
+            <a:off x="2303511" y="1356820"/>
+            <a:ext cx="1804360" cy="369332"/>
+          </a:xfrm>
+          <a:prstGeom prst="rect">
+            <a:avLst/>
+          </a:prstGeom>
+          <a:noFill/>
+        </p:spPr>
+        <p:txBody>
+          <a:bodyPr wrap="square" rtlCol="0">
+            <a:spAutoFit/>
+          </a:bodyPr>
+          <a:lstStyle/>
+          <a:p>
+            <a:r>
+              <a:rPr kumimoji="1" lang="en-US" altLang="zh-CN" dirty="0" err="1">
+                <a:latin typeface="Arial" panose="020B0604020202020204" pitchFamily="34" charset="0"/>
+                <a:cs typeface="Arial" panose="020B0604020202020204" pitchFamily="34" charset="0"/>
+              </a:rPr>
+              <a:t>bpf_prog_aux</a:t>
+            </a:r>
+            <a:endParaRPr kumimoji="1" lang="zh-CN" altLang="en-US" dirty="0">
+              <a:latin typeface="Arial" panose="020B0604020202020204" pitchFamily="34" charset="0"/>
+              <a:cs typeface="Arial" panose="020B0604020202020204" pitchFamily="34" charset="0"/>
+            </a:endParaRPr>
+          </a:p>
+        </p:txBody>
+      </p:sp>
+      <p:sp>
+        <p:nvSpPr>
+          <p:cNvPr id="7" name="文本框 6">
+            <a:extLst>
+              <a:ext uri="{FF2B5EF4-FFF2-40B4-BE49-F238E27FC236}">
+                <a16:creationId xmlns:a16="http://schemas.microsoft.com/office/drawing/2014/main" id="{02201FC4-EC67-F23A-31B9-23EAC8310585}"/>
+              </a:ext>
+            </a:extLst>
+          </p:cNvPr>
+          <p:cNvSpPr txBox="1"/>
+          <p:nvPr/>
+        </p:nvSpPr>
+        <p:spPr>
+          <a:xfrm>
+            <a:off x="2306780" y="1892906"/>
+            <a:ext cx="1801091" cy="369332"/>
+          </a:xfrm>
+          <a:prstGeom prst="rect">
+            <a:avLst/>
+          </a:prstGeom>
+          <a:noFill/>
+        </p:spPr>
+        <p:txBody>
+          <a:bodyPr wrap="square" rtlCol="0">
+            <a:spAutoFit/>
+          </a:bodyPr>
+          <a:lstStyle/>
+          <a:p>
+            <a:r>
+              <a:rPr kumimoji="1" lang="en-US" altLang="zh-CN" dirty="0" err="1"/>
+              <a:t>ctx_arg_info</a:t>
+            </a:r>
+            <a:endParaRPr kumimoji="1" lang="zh-CN" altLang="en-US" dirty="0"/>
+          </a:p>
+        </p:txBody>
+      </p:sp>
+      <p:sp>
+        <p:nvSpPr>
+          <p:cNvPr id="8" name="矩形 7">
+            <a:extLst>
+              <a:ext uri="{FF2B5EF4-FFF2-40B4-BE49-F238E27FC236}">
+                <a16:creationId xmlns:a16="http://schemas.microsoft.com/office/drawing/2014/main" id="{57E3F5F7-A482-DC47-2DD0-DCFB24BFD197}"/>
+              </a:ext>
+            </a:extLst>
+          </p:cNvPr>
+          <p:cNvSpPr/>
+          <p:nvPr/>
+        </p:nvSpPr>
+        <p:spPr>
+          <a:xfrm>
+            <a:off x="5219896" y="1252130"/>
+            <a:ext cx="2510943" cy="756779"/>
+          </a:xfrm>
+          <a:prstGeom prst="rect">
+            <a:avLst/>
+          </a:prstGeom>
+          <a:noFill/>
+          <a:ln w="25400">
+            <a:solidFill>
+              <a:schemeClr val="tx1"/>
+            </a:solidFill>
+          </a:ln>
+        </p:spPr>
+        <p:style>
+          <a:lnRef idx="2">
+            <a:schemeClr val="accent1">
+              <a:shade val="50000"/>
+            </a:schemeClr>
+          </a:lnRef>
+          <a:fillRef idx="1">
+            <a:schemeClr val="accent1"/>
+          </a:fillRef>
+          <a:effectRef idx="0">
+            <a:schemeClr val="accent1"/>
+          </a:effectRef>
+          <a:fontRef idx="minor">
+            <a:schemeClr val="lt1"/>
+          </a:fontRef>
+        </p:style>
+        <p:txBody>
+          <a:bodyPr rtlCol="0" anchor="ctr"/>
+          <a:lstStyle/>
+          <a:p>
+            <a:pPr algn="ctr"/>
+            <a:endParaRPr kumimoji="1" lang="zh-CN" altLang="en-US"/>
+          </a:p>
+        </p:txBody>
+      </p:sp>
+      <p:sp>
+        <p:nvSpPr>
+          <p:cNvPr id="9" name="文本框 8">
+            <a:extLst>
+              <a:ext uri="{FF2B5EF4-FFF2-40B4-BE49-F238E27FC236}">
+                <a16:creationId xmlns:a16="http://schemas.microsoft.com/office/drawing/2014/main" id="{7BC8F630-F00B-70E7-A804-58D9269FCA0B}"/>
+              </a:ext>
+            </a:extLst>
+          </p:cNvPr>
+          <p:cNvSpPr txBox="1"/>
+          <p:nvPr/>
+        </p:nvSpPr>
+        <p:spPr>
+          <a:xfrm>
+            <a:off x="5469278" y="772054"/>
+            <a:ext cx="2815739" cy="369332"/>
           </a:xfrm>
           <a:prstGeom prst="rect">
             <a:avLst/>
@@ -4207,23 +4286,22 @@
       </p:sp>
       <p:cxnSp>
         <p:nvCxnSpPr>
-          <p:cNvPr id="35" name="直线箭头连接符 34">
-            <a:extLst>
-              <a:ext uri="{FF2B5EF4-FFF2-40B4-BE49-F238E27FC236}">
-                <a16:creationId xmlns:a16="http://schemas.microsoft.com/office/drawing/2014/main" id="{663511F7-BCC4-3533-C388-D048AF4E0825}"/>
+          <p:cNvPr id="10" name="直线箭头连接符 9">
+            <a:extLst>
+              <a:ext uri="{FF2B5EF4-FFF2-40B4-BE49-F238E27FC236}">
+                <a16:creationId xmlns:a16="http://schemas.microsoft.com/office/drawing/2014/main" id="{1B071DAD-D414-AB57-7BF5-55CB9B8B25AC}"/>
               </a:ext>
             </a:extLst>
           </p:cNvPr>
           <p:cNvCxnSpPr>
             <a:cxnSpLocks/>
-            <a:endCxn id="33" idx="1"/>
           </p:cNvCxnSpPr>
           <p:nvPr/>
         </p:nvCxnSpPr>
         <p:spPr>
           <a:xfrm flipV="1">
-            <a:off x="7455655" y="2373276"/>
-            <a:ext cx="1224300" cy="253977"/>
+            <a:off x="3701190" y="1630519"/>
+            <a:ext cx="1414795" cy="477144"/>
           </a:xfrm>
           <a:prstGeom prst="straightConnector1">
             <a:avLst/>
@@ -4251,10 +4329,672 @@
           </a:fontRef>
         </p:style>
       </p:cxnSp>
+      <p:sp>
+        <p:nvSpPr>
+          <p:cNvPr id="12" name="文本框 11">
+            <a:extLst>
+              <a:ext uri="{FF2B5EF4-FFF2-40B4-BE49-F238E27FC236}">
+                <a16:creationId xmlns:a16="http://schemas.microsoft.com/office/drawing/2014/main" id="{534C0A97-3F2A-84D8-BFFB-520C11665292}"/>
+              </a:ext>
+            </a:extLst>
+          </p:cNvPr>
+          <p:cNvSpPr txBox="1"/>
+          <p:nvPr/>
+        </p:nvSpPr>
+        <p:spPr>
+          <a:xfrm>
+            <a:off x="2215285" y="2238073"/>
+            <a:ext cx="1801091" cy="369332"/>
+          </a:xfrm>
+          <a:prstGeom prst="rect">
+            <a:avLst/>
+          </a:prstGeom>
+          <a:noFill/>
+        </p:spPr>
+        <p:txBody>
+          <a:bodyPr wrap="square" rtlCol="0">
+            <a:spAutoFit/>
+          </a:bodyPr>
+          <a:lstStyle/>
+          <a:p>
+            <a:r>
+              <a:rPr kumimoji="1" lang="en-US" altLang="zh-CN" dirty="0" err="1"/>
+              <a:t>dst_trampoline</a:t>
+            </a:r>
+            <a:endParaRPr kumimoji="1" lang="zh-CN" altLang="en-US" dirty="0"/>
+          </a:p>
+        </p:txBody>
+      </p:sp>
+      <p:sp>
+        <p:nvSpPr>
+          <p:cNvPr id="13" name="矩形 12">
+            <a:extLst>
+              <a:ext uri="{FF2B5EF4-FFF2-40B4-BE49-F238E27FC236}">
+                <a16:creationId xmlns:a16="http://schemas.microsoft.com/office/drawing/2014/main" id="{978C8264-8725-0C1E-A27B-41802EBE9602}"/>
+              </a:ext>
+            </a:extLst>
+          </p:cNvPr>
+          <p:cNvSpPr/>
+          <p:nvPr/>
+        </p:nvSpPr>
+        <p:spPr>
+          <a:xfrm>
+            <a:off x="5219896" y="2551061"/>
+            <a:ext cx="2510943" cy="756779"/>
+          </a:xfrm>
+          <a:prstGeom prst="rect">
+            <a:avLst/>
+          </a:prstGeom>
+          <a:noFill/>
+          <a:ln w="25400">
+            <a:solidFill>
+              <a:schemeClr val="tx1"/>
+            </a:solidFill>
+          </a:ln>
+        </p:spPr>
+        <p:style>
+          <a:lnRef idx="2">
+            <a:schemeClr val="accent1">
+              <a:shade val="50000"/>
+            </a:schemeClr>
+          </a:lnRef>
+          <a:fillRef idx="1">
+            <a:schemeClr val="accent1"/>
+          </a:fillRef>
+          <a:effectRef idx="0">
+            <a:schemeClr val="accent1"/>
+          </a:effectRef>
+          <a:fontRef idx="minor">
+            <a:schemeClr val="lt1"/>
+          </a:fontRef>
+        </p:style>
+        <p:txBody>
+          <a:bodyPr rtlCol="0" anchor="ctr"/>
+          <a:lstStyle/>
+          <a:p>
+            <a:pPr algn="ctr"/>
+            <a:endParaRPr kumimoji="1" lang="zh-CN" altLang="en-US"/>
+          </a:p>
+        </p:txBody>
+      </p:sp>
+      <p:sp>
+        <p:nvSpPr>
+          <p:cNvPr id="14" name="文本框 13">
+            <a:extLst>
+              <a:ext uri="{FF2B5EF4-FFF2-40B4-BE49-F238E27FC236}">
+                <a16:creationId xmlns:a16="http://schemas.microsoft.com/office/drawing/2014/main" id="{FDCBAF15-35AF-79D1-DE65-CE462F13039C}"/>
+              </a:ext>
+            </a:extLst>
+          </p:cNvPr>
+          <p:cNvSpPr txBox="1"/>
+          <p:nvPr/>
+        </p:nvSpPr>
+        <p:spPr>
+          <a:xfrm>
+            <a:off x="4886666" y="3428118"/>
+            <a:ext cx="2815739" cy="369332"/>
+          </a:xfrm>
+          <a:prstGeom prst="rect">
+            <a:avLst/>
+          </a:prstGeom>
+          <a:noFill/>
+        </p:spPr>
+        <p:txBody>
+          <a:bodyPr wrap="square" rtlCol="0">
+            <a:spAutoFit/>
+          </a:bodyPr>
+          <a:lstStyle/>
+          <a:p>
+            <a:r>
+              <a:rPr kumimoji="1" lang="en-US" altLang="zh-CN" dirty="0" err="1">
+                <a:latin typeface="Arial" panose="020B0604020202020204" pitchFamily="34" charset="0"/>
+                <a:cs typeface="Arial" panose="020B0604020202020204" pitchFamily="34" charset="0"/>
+              </a:rPr>
+              <a:t>btf_type</a:t>
+            </a:r>
+            <a:endParaRPr kumimoji="1" lang="zh-CN" altLang="en-US" dirty="0">
+              <a:latin typeface="Arial" panose="020B0604020202020204" pitchFamily="34" charset="0"/>
+              <a:cs typeface="Arial" panose="020B0604020202020204" pitchFamily="34" charset="0"/>
+            </a:endParaRPr>
+          </a:p>
+        </p:txBody>
+      </p:sp>
+      <p:cxnSp>
+        <p:nvCxnSpPr>
+          <p:cNvPr id="15" name="直线箭头连接符 14">
+            <a:extLst>
+              <a:ext uri="{FF2B5EF4-FFF2-40B4-BE49-F238E27FC236}">
+                <a16:creationId xmlns:a16="http://schemas.microsoft.com/office/drawing/2014/main" id="{E98E83ED-1CCA-04A8-1E12-9A5F741AD510}"/>
+              </a:ext>
+            </a:extLst>
+          </p:cNvPr>
+          <p:cNvCxnSpPr>
+            <a:cxnSpLocks/>
+          </p:cNvCxnSpPr>
+          <p:nvPr/>
+        </p:nvCxnSpPr>
+        <p:spPr>
+          <a:xfrm>
+            <a:off x="3817238" y="2524564"/>
+            <a:ext cx="1374636" cy="475583"/>
+          </a:xfrm>
+          <a:prstGeom prst="straightConnector1">
+            <a:avLst/>
+          </a:prstGeom>
+          <a:ln w="19050">
+            <a:solidFill>
+              <a:schemeClr val="tx1"/>
+            </a:solidFill>
+            <a:prstDash val="sysDot"/>
+            <a:tailEnd type="stealth" w="lg" len="lg"/>
+          </a:ln>
+        </p:spPr>
+        <p:style>
+          <a:lnRef idx="1">
+            <a:schemeClr val="accent1"/>
+          </a:lnRef>
+          <a:fillRef idx="0">
+            <a:schemeClr val="accent1"/>
+          </a:fillRef>
+          <a:effectRef idx="0">
+            <a:schemeClr val="accent1"/>
+          </a:effectRef>
+          <a:fontRef idx="minor">
+            <a:schemeClr val="tx1"/>
+          </a:fontRef>
+        </p:style>
+      </p:cxnSp>
+      <p:sp>
+        <p:nvSpPr>
+          <p:cNvPr id="18" name="文本框 17">
+            <a:extLst>
+              <a:ext uri="{FF2B5EF4-FFF2-40B4-BE49-F238E27FC236}">
+                <a16:creationId xmlns:a16="http://schemas.microsoft.com/office/drawing/2014/main" id="{44711720-933E-3869-0FF9-0A40F704F22F}"/>
+              </a:ext>
+            </a:extLst>
+          </p:cNvPr>
+          <p:cNvSpPr txBox="1"/>
+          <p:nvPr/>
+        </p:nvSpPr>
+        <p:spPr>
+          <a:xfrm>
+            <a:off x="2103727" y="2642046"/>
+            <a:ext cx="2024206" cy="369332"/>
+          </a:xfrm>
+          <a:prstGeom prst="rect">
+            <a:avLst/>
+          </a:prstGeom>
+          <a:noFill/>
+        </p:spPr>
+        <p:txBody>
+          <a:bodyPr wrap="square">
+            <a:spAutoFit/>
+          </a:bodyPr>
+          <a:lstStyle/>
+          <a:p>
+            <a:r>
+              <a:rPr lang="zh-CN" altLang="en-US" dirty="0"/>
+              <a:t>attach_func_proto</a:t>
+            </a:r>
+          </a:p>
+        </p:txBody>
+      </p:sp>
+      <p:sp>
+        <p:nvSpPr>
+          <p:cNvPr id="19" name="文本框 18">
+            <a:extLst>
+              <a:ext uri="{FF2B5EF4-FFF2-40B4-BE49-F238E27FC236}">
+                <a16:creationId xmlns:a16="http://schemas.microsoft.com/office/drawing/2014/main" id="{0F745C1D-8BBF-3C86-8596-2B7E356A7FA3}"/>
+              </a:ext>
+            </a:extLst>
+          </p:cNvPr>
+          <p:cNvSpPr txBox="1"/>
+          <p:nvPr/>
+        </p:nvSpPr>
+        <p:spPr>
+          <a:xfrm>
+            <a:off x="5580114" y="2141629"/>
+            <a:ext cx="2815739" cy="369332"/>
+          </a:xfrm>
+          <a:prstGeom prst="rect">
+            <a:avLst/>
+          </a:prstGeom>
+          <a:noFill/>
+        </p:spPr>
+        <p:txBody>
+          <a:bodyPr wrap="square" rtlCol="0">
+            <a:spAutoFit/>
+          </a:bodyPr>
+          <a:lstStyle/>
+          <a:p>
+            <a:r>
+              <a:rPr kumimoji="1" lang="en-US" altLang="zh-CN" dirty="0" err="1">
+                <a:latin typeface="Arial" panose="020B0604020202020204" pitchFamily="34" charset="0"/>
+                <a:cs typeface="Arial" panose="020B0604020202020204" pitchFamily="34" charset="0"/>
+              </a:rPr>
+              <a:t>bpf_trampoline</a:t>
+            </a:r>
+            <a:endParaRPr kumimoji="1" lang="zh-CN" altLang="en-US" dirty="0">
+              <a:latin typeface="Arial" panose="020B0604020202020204" pitchFamily="34" charset="0"/>
+              <a:cs typeface="Arial" panose="020B0604020202020204" pitchFamily="34" charset="0"/>
+            </a:endParaRPr>
+          </a:p>
+        </p:txBody>
+      </p:sp>
+      <p:cxnSp>
+        <p:nvCxnSpPr>
+          <p:cNvPr id="20" name="直线箭头连接符 19">
+            <a:extLst>
+              <a:ext uri="{FF2B5EF4-FFF2-40B4-BE49-F238E27FC236}">
+                <a16:creationId xmlns:a16="http://schemas.microsoft.com/office/drawing/2014/main" id="{2512B14A-AD40-3CAA-CB9C-2E423EC6615E}"/>
+              </a:ext>
+            </a:extLst>
+          </p:cNvPr>
+          <p:cNvCxnSpPr>
+            <a:cxnSpLocks/>
+            <a:endCxn id="14" idx="1"/>
+          </p:cNvCxnSpPr>
+          <p:nvPr/>
+        </p:nvCxnSpPr>
+        <p:spPr>
+          <a:xfrm>
+            <a:off x="4079437" y="2846363"/>
+            <a:ext cx="807229" cy="766421"/>
+          </a:xfrm>
+          <a:prstGeom prst="straightConnector1">
+            <a:avLst/>
+          </a:prstGeom>
+          <a:ln w="19050">
+            <a:solidFill>
+              <a:schemeClr val="tx1"/>
+            </a:solidFill>
+            <a:prstDash val="sysDot"/>
+            <a:tailEnd type="stealth" w="lg" len="lg"/>
+          </a:ln>
+        </p:spPr>
+        <p:style>
+          <a:lnRef idx="1">
+            <a:schemeClr val="accent1"/>
+          </a:lnRef>
+          <a:fillRef idx="0">
+            <a:schemeClr val="accent1"/>
+          </a:fillRef>
+          <a:effectRef idx="0">
+            <a:schemeClr val="accent1"/>
+          </a:effectRef>
+          <a:fontRef idx="minor">
+            <a:schemeClr val="tx1"/>
+          </a:fontRef>
+        </p:style>
+      </p:cxnSp>
+      <p:sp>
+        <p:nvSpPr>
+          <p:cNvPr id="23" name="文本框 22">
+            <a:extLst>
+              <a:ext uri="{FF2B5EF4-FFF2-40B4-BE49-F238E27FC236}">
+                <a16:creationId xmlns:a16="http://schemas.microsoft.com/office/drawing/2014/main" id="{B23AB020-BFE5-0A22-A2B9-DE0D3EDFD305}"/>
+              </a:ext>
+            </a:extLst>
+          </p:cNvPr>
+          <p:cNvSpPr txBox="1"/>
+          <p:nvPr/>
+        </p:nvSpPr>
+        <p:spPr>
+          <a:xfrm>
+            <a:off x="2642501" y="3055213"/>
+            <a:ext cx="1058689" cy="369332"/>
+          </a:xfrm>
+          <a:prstGeom prst="rect">
+            <a:avLst/>
+          </a:prstGeom>
+          <a:noFill/>
+        </p:spPr>
+        <p:txBody>
+          <a:bodyPr wrap="square">
+            <a:spAutoFit/>
+          </a:bodyPr>
+          <a:lstStyle/>
+          <a:p>
+            <a:r>
+              <a:rPr lang="en-US" altLang="zh-CN" dirty="0" err="1"/>
+              <a:t>func</a:t>
+            </a:r>
+            <a:endParaRPr lang="zh-CN" altLang="en-US" dirty="0"/>
+          </a:p>
+        </p:txBody>
+      </p:sp>
+      <p:cxnSp>
+        <p:nvCxnSpPr>
+          <p:cNvPr id="24" name="直线箭头连接符 23">
+            <a:extLst>
+              <a:ext uri="{FF2B5EF4-FFF2-40B4-BE49-F238E27FC236}">
+                <a16:creationId xmlns:a16="http://schemas.microsoft.com/office/drawing/2014/main" id="{3B06624C-C109-0684-165E-5DD0412F905B}"/>
+              </a:ext>
+            </a:extLst>
+          </p:cNvPr>
+          <p:cNvCxnSpPr>
+            <a:cxnSpLocks/>
+          </p:cNvCxnSpPr>
+          <p:nvPr/>
+        </p:nvCxnSpPr>
+        <p:spPr>
+          <a:xfrm>
+            <a:off x="3259316" y="3321907"/>
+            <a:ext cx="2631605" cy="942484"/>
+          </a:xfrm>
+          <a:prstGeom prst="straightConnector1">
+            <a:avLst/>
+          </a:prstGeom>
+          <a:ln w="19050">
+            <a:solidFill>
+              <a:schemeClr val="tx1"/>
+            </a:solidFill>
+            <a:prstDash val="sysDot"/>
+            <a:tailEnd type="stealth" w="lg" len="lg"/>
+          </a:ln>
+        </p:spPr>
+        <p:style>
+          <a:lnRef idx="1">
+            <a:schemeClr val="accent1"/>
+          </a:lnRef>
+          <a:fillRef idx="0">
+            <a:schemeClr val="accent1"/>
+          </a:fillRef>
+          <a:effectRef idx="0">
+            <a:schemeClr val="accent1"/>
+          </a:effectRef>
+          <a:fontRef idx="minor">
+            <a:schemeClr val="tx1"/>
+          </a:fontRef>
+        </p:style>
+      </p:cxnSp>
+      <p:sp>
+        <p:nvSpPr>
+          <p:cNvPr id="26" name="矩形 25">
+            <a:extLst>
+              <a:ext uri="{FF2B5EF4-FFF2-40B4-BE49-F238E27FC236}">
+                <a16:creationId xmlns:a16="http://schemas.microsoft.com/office/drawing/2014/main" id="{6355B49A-71F9-BA23-74A9-267C9F5EEF31}"/>
+              </a:ext>
+            </a:extLst>
+          </p:cNvPr>
+          <p:cNvSpPr/>
+          <p:nvPr/>
+        </p:nvSpPr>
+        <p:spPr>
+          <a:xfrm>
+            <a:off x="5971613" y="3968650"/>
+            <a:ext cx="2510943" cy="756779"/>
+          </a:xfrm>
+          <a:prstGeom prst="rect">
+            <a:avLst/>
+          </a:prstGeom>
+          <a:noFill/>
+          <a:ln w="25400">
+            <a:solidFill>
+              <a:schemeClr val="tx1"/>
+            </a:solidFill>
+          </a:ln>
+        </p:spPr>
+        <p:style>
+          <a:lnRef idx="2">
+            <a:schemeClr val="accent1">
+              <a:shade val="50000"/>
+            </a:schemeClr>
+          </a:lnRef>
+          <a:fillRef idx="1">
+            <a:schemeClr val="accent1"/>
+          </a:fillRef>
+          <a:effectRef idx="0">
+            <a:schemeClr val="accent1"/>
+          </a:effectRef>
+          <a:fontRef idx="minor">
+            <a:schemeClr val="lt1"/>
+          </a:fontRef>
+        </p:style>
+        <p:txBody>
+          <a:bodyPr rtlCol="0" anchor="ctr"/>
+          <a:lstStyle/>
+          <a:p>
+            <a:pPr algn="ctr"/>
+            <a:endParaRPr kumimoji="1" lang="zh-CN" altLang="en-US"/>
+          </a:p>
+        </p:txBody>
+      </p:sp>
+      <p:sp>
+        <p:nvSpPr>
+          <p:cNvPr id="27" name="文本框 26">
+            <a:extLst>
+              <a:ext uri="{FF2B5EF4-FFF2-40B4-BE49-F238E27FC236}">
+                <a16:creationId xmlns:a16="http://schemas.microsoft.com/office/drawing/2014/main" id="{3DD47878-C1AC-11A2-350F-0A7B52D2876B}"/>
+              </a:ext>
+            </a:extLst>
+          </p:cNvPr>
+          <p:cNvSpPr txBox="1"/>
+          <p:nvPr/>
+        </p:nvSpPr>
+        <p:spPr>
+          <a:xfrm>
+            <a:off x="6322969" y="3599318"/>
+            <a:ext cx="2815739" cy="369332"/>
+          </a:xfrm>
+          <a:prstGeom prst="rect">
+            <a:avLst/>
+          </a:prstGeom>
+          <a:noFill/>
+        </p:spPr>
+        <p:txBody>
+          <a:bodyPr wrap="square" rtlCol="0">
+            <a:spAutoFit/>
+          </a:bodyPr>
+          <a:lstStyle/>
+          <a:p>
+            <a:r>
+              <a:rPr kumimoji="1" lang="en-US" altLang="zh-CN" dirty="0">
+                <a:latin typeface="Arial" panose="020B0604020202020204" pitchFamily="34" charset="0"/>
+                <a:cs typeface="Arial" panose="020B0604020202020204" pitchFamily="34" charset="0"/>
+              </a:rPr>
+              <a:t>array of </a:t>
+            </a:r>
+            <a:r>
+              <a:rPr kumimoji="1" lang="en-US" altLang="zh-CN" dirty="0" err="1">
+                <a:latin typeface="Arial" panose="020B0604020202020204" pitchFamily="34" charset="0"/>
+                <a:cs typeface="Arial" panose="020B0604020202020204" pitchFamily="34" charset="0"/>
+              </a:rPr>
+              <a:t>bpf_prog</a:t>
+            </a:r>
+            <a:endParaRPr kumimoji="1" lang="zh-CN" altLang="en-US" dirty="0">
+              <a:latin typeface="Arial" panose="020B0604020202020204" pitchFamily="34" charset="0"/>
+              <a:cs typeface="Arial" panose="020B0604020202020204" pitchFamily="34" charset="0"/>
+            </a:endParaRPr>
+          </a:p>
+        </p:txBody>
+      </p:sp>
+      <p:sp>
+        <p:nvSpPr>
+          <p:cNvPr id="28" name="文本框 27">
+            <a:extLst>
+              <a:ext uri="{FF2B5EF4-FFF2-40B4-BE49-F238E27FC236}">
+                <a16:creationId xmlns:a16="http://schemas.microsoft.com/office/drawing/2014/main" id="{D58E9FEB-6CCC-8A05-78BC-245333A2DE99}"/>
+              </a:ext>
+            </a:extLst>
+          </p:cNvPr>
+          <p:cNvSpPr txBox="1"/>
+          <p:nvPr/>
+        </p:nvSpPr>
+        <p:spPr>
+          <a:xfrm>
+            <a:off x="2307982" y="3599318"/>
+            <a:ext cx="1645843" cy="369332"/>
+          </a:xfrm>
+          <a:prstGeom prst="rect">
+            <a:avLst/>
+          </a:prstGeom>
+          <a:noFill/>
+        </p:spPr>
+        <p:txBody>
+          <a:bodyPr wrap="square">
+            <a:spAutoFit/>
+          </a:bodyPr>
+          <a:lstStyle/>
+          <a:p>
+            <a:r>
+              <a:rPr lang="en-US" altLang="zh-CN" dirty="0" err="1"/>
+              <a:t>used_maps</a:t>
+            </a:r>
+            <a:endParaRPr lang="zh-CN" altLang="en-US" dirty="0"/>
+          </a:p>
+        </p:txBody>
+      </p:sp>
+      <p:cxnSp>
+        <p:nvCxnSpPr>
+          <p:cNvPr id="29" name="直线箭头连接符 28">
+            <a:extLst>
+              <a:ext uri="{FF2B5EF4-FFF2-40B4-BE49-F238E27FC236}">
+                <a16:creationId xmlns:a16="http://schemas.microsoft.com/office/drawing/2014/main" id="{DFE0A084-D408-B606-CE66-AE5E8D394212}"/>
+              </a:ext>
+            </a:extLst>
+          </p:cNvPr>
+          <p:cNvCxnSpPr>
+            <a:cxnSpLocks/>
+          </p:cNvCxnSpPr>
+          <p:nvPr/>
+        </p:nvCxnSpPr>
+        <p:spPr>
+          <a:xfrm>
+            <a:off x="3460652" y="3931501"/>
+            <a:ext cx="2430269" cy="1674368"/>
+          </a:xfrm>
+          <a:prstGeom prst="straightConnector1">
+            <a:avLst/>
+          </a:prstGeom>
+          <a:ln w="19050">
+            <a:solidFill>
+              <a:schemeClr val="tx1"/>
+            </a:solidFill>
+            <a:prstDash val="sysDot"/>
+            <a:tailEnd type="stealth" w="lg" len="lg"/>
+          </a:ln>
+        </p:spPr>
+        <p:style>
+          <a:lnRef idx="1">
+            <a:schemeClr val="accent1"/>
+          </a:lnRef>
+          <a:fillRef idx="0">
+            <a:schemeClr val="accent1"/>
+          </a:fillRef>
+          <a:effectRef idx="0">
+            <a:schemeClr val="accent1"/>
+          </a:effectRef>
+          <a:fontRef idx="minor">
+            <a:schemeClr val="tx1"/>
+          </a:fontRef>
+        </p:style>
+      </p:cxnSp>
+      <p:sp>
+        <p:nvSpPr>
+          <p:cNvPr id="31" name="矩形 30">
+            <a:extLst>
+              <a:ext uri="{FF2B5EF4-FFF2-40B4-BE49-F238E27FC236}">
+                <a16:creationId xmlns:a16="http://schemas.microsoft.com/office/drawing/2014/main" id="{D0B91F8C-2F4F-7B0F-06D8-6311C4253183}"/>
+              </a:ext>
+            </a:extLst>
+          </p:cNvPr>
+          <p:cNvSpPr/>
+          <p:nvPr/>
+        </p:nvSpPr>
+        <p:spPr>
+          <a:xfrm>
+            <a:off x="5968036" y="5227480"/>
+            <a:ext cx="2510943" cy="756779"/>
+          </a:xfrm>
+          <a:prstGeom prst="rect">
+            <a:avLst/>
+          </a:prstGeom>
+          <a:noFill/>
+          <a:ln w="25400">
+            <a:solidFill>
+              <a:schemeClr val="tx1"/>
+            </a:solidFill>
+          </a:ln>
+        </p:spPr>
+        <p:style>
+          <a:lnRef idx="2">
+            <a:schemeClr val="accent1">
+              <a:shade val="50000"/>
+            </a:schemeClr>
+          </a:lnRef>
+          <a:fillRef idx="1">
+            <a:schemeClr val="accent1"/>
+          </a:fillRef>
+          <a:effectRef idx="0">
+            <a:schemeClr val="accent1"/>
+          </a:effectRef>
+          <a:fontRef idx="minor">
+            <a:schemeClr val="lt1"/>
+          </a:fontRef>
+        </p:style>
+        <p:txBody>
+          <a:bodyPr rtlCol="0" anchor="ctr"/>
+          <a:lstStyle/>
+          <a:p>
+            <a:pPr algn="ctr"/>
+            <a:endParaRPr kumimoji="1" lang="zh-CN" altLang="en-US"/>
+          </a:p>
+        </p:txBody>
+      </p:sp>
+      <p:sp>
+        <p:nvSpPr>
+          <p:cNvPr id="33" name="文本框 32">
+            <a:extLst>
+              <a:ext uri="{FF2B5EF4-FFF2-40B4-BE49-F238E27FC236}">
+                <a16:creationId xmlns:a16="http://schemas.microsoft.com/office/drawing/2014/main" id="{C59BFC87-59A3-BEF5-A090-75CA62BA9E56}"/>
+              </a:ext>
+            </a:extLst>
+          </p:cNvPr>
+          <p:cNvSpPr txBox="1"/>
+          <p:nvPr/>
+        </p:nvSpPr>
+        <p:spPr>
+          <a:xfrm>
+            <a:off x="6295674" y="4858148"/>
+            <a:ext cx="2815739" cy="369332"/>
+          </a:xfrm>
+          <a:prstGeom prst="rect">
+            <a:avLst/>
+          </a:prstGeom>
+          <a:noFill/>
+        </p:spPr>
+        <p:txBody>
+          <a:bodyPr wrap="square" rtlCol="0">
+            <a:spAutoFit/>
+          </a:bodyPr>
+          <a:lstStyle/>
+          <a:p>
+            <a:r>
+              <a:rPr kumimoji="1" lang="en-US" altLang="zh-CN" dirty="0">
+                <a:latin typeface="Arial" panose="020B0604020202020204" pitchFamily="34" charset="0"/>
+                <a:cs typeface="Arial" panose="020B0604020202020204" pitchFamily="34" charset="0"/>
+              </a:rPr>
+              <a:t>array of </a:t>
+            </a:r>
+            <a:r>
+              <a:rPr kumimoji="1" lang="en-US" altLang="zh-CN" dirty="0" err="1">
+                <a:latin typeface="Arial" panose="020B0604020202020204" pitchFamily="34" charset="0"/>
+                <a:cs typeface="Arial" panose="020B0604020202020204" pitchFamily="34" charset="0"/>
+              </a:rPr>
+              <a:t>bpf_map</a:t>
+            </a:r>
+            <a:endParaRPr kumimoji="1" lang="zh-CN" altLang="en-US" dirty="0">
+              <a:latin typeface="Arial" panose="020B0604020202020204" pitchFamily="34" charset="0"/>
+              <a:cs typeface="Arial" panose="020B0604020202020204" pitchFamily="34" charset="0"/>
+            </a:endParaRPr>
+          </a:p>
+        </p:txBody>
+      </p:sp>
     </p:spTree>
     <p:extLst>
       <p:ext uri="{BB962C8B-B14F-4D97-AF65-F5344CB8AC3E}">
-        <p14:creationId xmlns:p14="http://schemas.microsoft.com/office/powerpoint/2010/main" val="2519843314"/>
+        <p14:creationId xmlns:p14="http://schemas.microsoft.com/office/powerpoint/2010/main" val="226474358"/>
       </p:ext>
     </p:extLst>
   </p:cSld>
